--- a/HW6/地平座標.pptx
+++ b/HW6/地平座標.pptx
@@ -259,7 +259,7 @@
           <a:p>
             <a:fld id="{0DF5CB6F-A0CA-48AD-8F3A-7FA2C68ABAD9}" type="datetimeFigureOut">
               <a:rPr lang="zh-TW" altLang="en-US" smtClean="0"/>
-              <a:t>2020-06-20</a:t>
+              <a:t>2020-06-25</a:t>
             </a:fld>
             <a:endParaRPr lang="zh-TW" altLang="en-US"/>
           </a:p>
@@ -457,7 +457,7 @@
           <a:p>
             <a:fld id="{0DF5CB6F-A0CA-48AD-8F3A-7FA2C68ABAD9}" type="datetimeFigureOut">
               <a:rPr lang="zh-TW" altLang="en-US" smtClean="0"/>
-              <a:t>2020-06-20</a:t>
+              <a:t>2020-06-25</a:t>
             </a:fld>
             <a:endParaRPr lang="zh-TW" altLang="en-US"/>
           </a:p>
@@ -665,7 +665,7 @@
           <a:p>
             <a:fld id="{0DF5CB6F-A0CA-48AD-8F3A-7FA2C68ABAD9}" type="datetimeFigureOut">
               <a:rPr lang="zh-TW" altLang="en-US" smtClean="0"/>
-              <a:t>2020-06-20</a:t>
+              <a:t>2020-06-25</a:t>
             </a:fld>
             <a:endParaRPr lang="zh-TW" altLang="en-US"/>
           </a:p>
@@ -863,7 +863,7 @@
           <a:p>
             <a:fld id="{0DF5CB6F-A0CA-48AD-8F3A-7FA2C68ABAD9}" type="datetimeFigureOut">
               <a:rPr lang="zh-TW" altLang="en-US" smtClean="0"/>
-              <a:t>2020-06-20</a:t>
+              <a:t>2020-06-25</a:t>
             </a:fld>
             <a:endParaRPr lang="zh-TW" altLang="en-US"/>
           </a:p>
@@ -1138,7 +1138,7 @@
           <a:p>
             <a:fld id="{0DF5CB6F-A0CA-48AD-8F3A-7FA2C68ABAD9}" type="datetimeFigureOut">
               <a:rPr lang="zh-TW" altLang="en-US" smtClean="0"/>
-              <a:t>2020-06-20</a:t>
+              <a:t>2020-06-25</a:t>
             </a:fld>
             <a:endParaRPr lang="zh-TW" altLang="en-US"/>
           </a:p>
@@ -1403,7 +1403,7 @@
           <a:p>
             <a:fld id="{0DF5CB6F-A0CA-48AD-8F3A-7FA2C68ABAD9}" type="datetimeFigureOut">
               <a:rPr lang="zh-TW" altLang="en-US" smtClean="0"/>
-              <a:t>2020-06-20</a:t>
+              <a:t>2020-06-25</a:t>
             </a:fld>
             <a:endParaRPr lang="zh-TW" altLang="en-US"/>
           </a:p>
@@ -1815,7 +1815,7 @@
           <a:p>
             <a:fld id="{0DF5CB6F-A0CA-48AD-8F3A-7FA2C68ABAD9}" type="datetimeFigureOut">
               <a:rPr lang="zh-TW" altLang="en-US" smtClean="0"/>
-              <a:t>2020-06-20</a:t>
+              <a:t>2020-06-25</a:t>
             </a:fld>
             <a:endParaRPr lang="zh-TW" altLang="en-US"/>
           </a:p>
@@ -1956,7 +1956,7 @@
           <a:p>
             <a:fld id="{0DF5CB6F-A0CA-48AD-8F3A-7FA2C68ABAD9}" type="datetimeFigureOut">
               <a:rPr lang="zh-TW" altLang="en-US" smtClean="0"/>
-              <a:t>2020-06-20</a:t>
+              <a:t>2020-06-25</a:t>
             </a:fld>
             <a:endParaRPr lang="zh-TW" altLang="en-US"/>
           </a:p>
@@ -2069,7 +2069,7 @@
           <a:p>
             <a:fld id="{0DF5CB6F-A0CA-48AD-8F3A-7FA2C68ABAD9}" type="datetimeFigureOut">
               <a:rPr lang="zh-TW" altLang="en-US" smtClean="0"/>
-              <a:t>2020-06-20</a:t>
+              <a:t>2020-06-25</a:t>
             </a:fld>
             <a:endParaRPr lang="zh-TW" altLang="en-US"/>
           </a:p>
@@ -2380,7 +2380,7 @@
           <a:p>
             <a:fld id="{0DF5CB6F-A0CA-48AD-8F3A-7FA2C68ABAD9}" type="datetimeFigureOut">
               <a:rPr lang="zh-TW" altLang="en-US" smtClean="0"/>
-              <a:t>2020-06-20</a:t>
+              <a:t>2020-06-25</a:t>
             </a:fld>
             <a:endParaRPr lang="zh-TW" altLang="en-US"/>
           </a:p>
@@ -2668,7 +2668,7 @@
           <a:p>
             <a:fld id="{0DF5CB6F-A0CA-48AD-8F3A-7FA2C68ABAD9}" type="datetimeFigureOut">
               <a:rPr lang="zh-TW" altLang="en-US" smtClean="0"/>
-              <a:t>2020-06-20</a:t>
+              <a:t>2020-06-25</a:t>
             </a:fld>
             <a:endParaRPr lang="zh-TW" altLang="en-US"/>
           </a:p>
@@ -2909,7 +2909,7 @@
           <a:p>
             <a:fld id="{0DF5CB6F-A0CA-48AD-8F3A-7FA2C68ABAD9}" type="datetimeFigureOut">
               <a:rPr lang="zh-TW" altLang="en-US" smtClean="0"/>
-              <a:t>2020-06-20</a:t>
+              <a:t>2020-06-25</a:t>
             </a:fld>
             <a:endParaRPr lang="zh-TW" altLang="en-US"/>
           </a:p>
@@ -3326,12 +3326,138 @@
           <a:chExt cx="0" cy="0"/>
         </a:xfrm>
       </p:grpSpPr>
-      <p:sp>
-        <p:nvSpPr>
-          <p:cNvPr id="3" name="Parallelogram 258 3">
-            <a:extLst>
-              <a:ext uri="{FF2B5EF4-FFF2-40B4-BE49-F238E27FC236}">
-                <a16:creationId xmlns:a16="http://schemas.microsoft.com/office/drawing/2014/main" id="{84F062B0-6D9A-474F-87AB-52954826148C}"/>
+      <p:grpSp>
+        <p:nvGrpSpPr>
+          <p:cNvPr id="39" name="Group 258 39">
+            <a:extLst>
+              <a:ext uri="{FF2B5EF4-FFF2-40B4-BE49-F238E27FC236}">
+                <a16:creationId xmlns:a16="http://schemas.microsoft.com/office/drawing/2014/main" id="{E3B545AA-711F-48C4-9C58-9173BC355E95}"/>
+              </a:ext>
+            </a:extLst>
+          </p:cNvPr>
+          <p:cNvGrpSpPr/>
+          <p:nvPr/>
+        </p:nvGrpSpPr>
+        <p:grpSpPr>
+          <a:xfrm>
+            <a:off x="597877" y="1902032"/>
+            <a:ext cx="10893669" cy="3983346"/>
+            <a:chOff x="1116625" y="1708589"/>
+            <a:chExt cx="10533184" cy="4253851"/>
+          </a:xfrm>
+        </p:grpSpPr>
+        <p:sp>
+          <p:nvSpPr>
+            <p:cNvPr id="3" name="Parallelogram 258 3">
+              <a:extLst>
+                <a:ext uri="{FF2B5EF4-FFF2-40B4-BE49-F238E27FC236}">
+                  <a16:creationId xmlns:a16="http://schemas.microsoft.com/office/drawing/2014/main" id="{84F062B0-6D9A-474F-87AB-52954826148C}"/>
+                </a:ext>
+              </a:extLst>
+            </p:cNvPr>
+            <p:cNvSpPr/>
+            <p:nvPr/>
+          </p:nvSpPr>
+          <p:spPr>
+            <a:xfrm>
+              <a:off x="1116625" y="1708589"/>
+              <a:ext cx="10533184" cy="4253851"/>
+            </a:xfrm>
+            <a:prstGeom prst="parallelogram">
+              <a:avLst>
+                <a:gd name="adj" fmla="val 75576"/>
+              </a:avLst>
+            </a:prstGeom>
+            <a:solidFill>
+              <a:srgbClr val="000000">
+                <a:alpha val="20000"/>
+              </a:srgbClr>
+            </a:solidFill>
+            <a:ln>
+              <a:noFill/>
+            </a:ln>
+          </p:spPr>
+          <p:style>
+            <a:lnRef idx="2">
+              <a:schemeClr val="accent1">
+                <a:shade val="50000"/>
+              </a:schemeClr>
+            </a:lnRef>
+            <a:fillRef idx="1">
+              <a:schemeClr val="accent1"/>
+            </a:fillRef>
+            <a:effectRef idx="0">
+              <a:schemeClr val="accent1"/>
+            </a:effectRef>
+            <a:fontRef idx="minor">
+              <a:schemeClr val="lt1"/>
+            </a:fontRef>
+          </p:style>
+          <p:txBody>
+            <a:bodyPr rtlCol="0" anchor="ctr"/>
+            <a:lstStyle/>
+            <a:p>
+              <a:pPr algn="ctr"/>
+              <a:endParaRPr lang="zh-TW" altLang="en-US" dirty="0"/>
+            </a:p>
+          </p:txBody>
+        </p:sp>
+        <p:sp>
+          <p:nvSpPr>
+            <p:cNvPr id="62" name="TextBox 258 62">
+              <a:extLst>
+                <a:ext uri="{FF2B5EF4-FFF2-40B4-BE49-F238E27FC236}">
+                  <a16:creationId xmlns:a16="http://schemas.microsoft.com/office/drawing/2014/main" id="{DF56085C-89F8-4815-83A8-3ADE7096D29A}"/>
+                </a:ext>
+              </a:extLst>
+            </p:cNvPr>
+            <p:cNvSpPr txBox="1"/>
+            <p:nvPr/>
+          </p:nvSpPr>
+          <p:spPr>
+            <a:xfrm rot="18420000">
+              <a:off x="2751255" y="2950623"/>
+              <a:ext cx="1100854" cy="357110"/>
+            </a:xfrm>
+            <a:prstGeom prst="rect">
+              <a:avLst/>
+            </a:prstGeom>
+            <a:noFill/>
+            <a:ln>
+              <a:noFill/>
+            </a:ln>
+          </p:spPr>
+          <p:txBody>
+            <a:bodyPr wrap="square" rtlCol="0">
+              <a:spAutoFit/>
+            </a:bodyPr>
+            <a:lstStyle/>
+            <a:p>
+              <a:r>
+                <a:rPr lang="en-US" altLang="zh-TW" dirty="0">
+                  <a:solidFill>
+                    <a:srgbClr val="FFFFFF"/>
+                  </a:solidFill>
+                  <a:latin typeface="+mj-lt"/>
+                </a:rPr>
+                <a:t>Horizon</a:t>
+              </a:r>
+              <a:endParaRPr lang="zh-TW" altLang="en-US" dirty="0">
+                <a:solidFill>
+                  <a:srgbClr val="FFFFFF"/>
+                </a:solidFill>
+                <a:latin typeface="+mj-lt"/>
+              </a:endParaRPr>
+            </a:p>
+          </p:txBody>
+        </p:sp>
+      </p:grpSp>
+      <p:sp>
+        <p:nvSpPr>
+          <p:cNvPr id="7" name="Rectangle 258 7">
+            <a:extLst>
+              <a:ext uri="{FF2B5EF4-FFF2-40B4-BE49-F238E27FC236}">
+                <a16:creationId xmlns:a16="http://schemas.microsoft.com/office/drawing/2014/main" id="{A35BDD15-3CB9-4B68-8DB3-56789137BCC6}"/>
               </a:ext>
             </a:extLst>
           </p:cNvPr>
@@ -3340,18 +3466,59 @@
         </p:nvSpPr>
         <p:spPr>
           <a:xfrm>
-            <a:off x="2057399" y="1839210"/>
-            <a:ext cx="8572497" cy="4253851"/>
+            <a:off x="2692808" y="5325231"/>
+            <a:ext cx="1127232" cy="369332"/>
           </a:xfrm>
-          <a:prstGeom prst="parallelogram">
-            <a:avLst>
-              <a:gd name="adj" fmla="val 52220"/>
-            </a:avLst>
+          <a:prstGeom prst="rect">
+            <a:avLst/>
+          </a:prstGeom>
+        </p:spPr>
+        <p:txBody>
+          <a:bodyPr wrap="none">
+            <a:spAutoFit/>
+          </a:bodyPr>
+          <a:lstStyle/>
+          <a:p>
+            <a:r>
+              <a:rPr lang="en-US" altLang="zh-TW" dirty="0">
+                <a:solidFill>
+                  <a:srgbClr val="FF0000"/>
+                </a:solidFill>
+                <a:latin typeface="+mj-lt"/>
+              </a:rPr>
+              <a:t>Observer</a:t>
+            </a:r>
+            <a:endParaRPr lang="zh-TW" altLang="en-US" dirty="0">
+              <a:solidFill>
+                <a:srgbClr val="FF0000"/>
+              </a:solidFill>
+              <a:latin typeface="+mj-lt"/>
+            </a:endParaRPr>
+          </a:p>
+        </p:txBody>
+      </p:sp>
+      <p:sp>
+        <p:nvSpPr>
+          <p:cNvPr id="63" name="Oval 258 63">
+            <a:extLst>
+              <a:ext uri="{FF2B5EF4-FFF2-40B4-BE49-F238E27FC236}">
+                <a16:creationId xmlns:a16="http://schemas.microsoft.com/office/drawing/2014/main" id="{0126FA2E-C98D-40B1-951B-EDD0D2E9BCB1}"/>
+              </a:ext>
+            </a:extLst>
+          </p:cNvPr>
+          <p:cNvSpPr/>
+          <p:nvPr/>
+        </p:nvSpPr>
+        <p:spPr>
+          <a:xfrm>
+            <a:off x="7201726" y="3017579"/>
+            <a:ext cx="180000" cy="180000"/>
+          </a:xfrm>
+          <a:prstGeom prst="star5">
+            <a:avLst/>
           </a:prstGeom>
           <a:solidFill>
-            <a:srgbClr val="000000">
-              <a:alpha val="20000"/>
-            </a:srgbClr>
+            <a:srgbClr val="0070C0"/>
           </a:solidFill>
           <a:ln>
             <a:noFill/>
@@ -3378,16 +3545,20 @@
           <a:lstStyle/>
           <a:p>
             <a:pPr algn="ctr"/>
-            <a:endParaRPr lang="zh-TW" altLang="en-US" dirty="0"/>
+            <a:endParaRPr lang="zh-TW" altLang="en-US">
+              <a:solidFill>
+                <a:srgbClr val="0070C0"/>
+              </a:solidFill>
+            </a:endParaRPr>
           </a:p>
         </p:txBody>
       </p:sp>
       <p:cxnSp>
         <p:nvCxnSpPr>
-          <p:cNvPr id="68" name="Straight 258 68">
-            <a:extLst>
-              <a:ext uri="{FF2B5EF4-FFF2-40B4-BE49-F238E27FC236}">
-                <a16:creationId xmlns:a16="http://schemas.microsoft.com/office/drawing/2014/main" id="{F6E3A91A-E109-4514-9BD2-67B7C2134B29}"/>
+          <p:cNvPr id="17" name="Straight 258 17">
+            <a:extLst>
+              <a:ext uri="{FF2B5EF4-FFF2-40B4-BE49-F238E27FC236}">
+                <a16:creationId xmlns:a16="http://schemas.microsoft.com/office/drawing/2014/main" id="{FAA2F52D-C1C4-4D9A-AF27-5BA087B5AF78}"/>
               </a:ext>
             </a:extLst>
           </p:cNvPr>
@@ -3397,9 +3568,440 @@
           <p:nvPr/>
         </p:nvCxnSpPr>
         <p:spPr>
+          <a:xfrm flipH="1">
+            <a:off x="3871515" y="4631292"/>
+            <a:ext cx="3420211" cy="878237"/>
+          </a:xfrm>
+          <a:prstGeom prst="line">
+            <a:avLst/>
+          </a:prstGeom>
+          <a:ln w="12700">
+            <a:solidFill>
+              <a:srgbClr val="FF0000">
+                <a:alpha val="40000"/>
+              </a:srgbClr>
+            </a:solidFill>
+            <a:prstDash val="lgDash"/>
+          </a:ln>
+        </p:spPr>
+        <p:style>
+          <a:lnRef idx="1">
+            <a:schemeClr val="accent1"/>
+          </a:lnRef>
+          <a:fillRef idx="0">
+            <a:schemeClr val="accent1"/>
+          </a:fillRef>
+          <a:effectRef idx="0">
+            <a:schemeClr val="accent1"/>
+          </a:effectRef>
+          <a:fontRef idx="minor">
+            <a:schemeClr val="tx1"/>
+          </a:fontRef>
+        </p:style>
+      </p:cxnSp>
+      <p:sp>
+        <p:nvSpPr>
+          <p:cNvPr id="82" name="TextBox 258 82">
+            <a:extLst>
+              <a:ext uri="{FF2B5EF4-FFF2-40B4-BE49-F238E27FC236}">
+                <a16:creationId xmlns:a16="http://schemas.microsoft.com/office/drawing/2014/main" id="{1CFE711B-40EF-4ECF-B07F-F343D84E8F35}"/>
+              </a:ext>
+            </a:extLst>
+          </p:cNvPr>
+          <p:cNvSpPr txBox="1"/>
+          <p:nvPr/>
+        </p:nvSpPr>
+        <p:spPr>
           <a:xfrm>
-            <a:off x="6468132" y="3197761"/>
-            <a:ext cx="2270313" cy="826326"/>
+            <a:off x="5925004" y="3616557"/>
+            <a:ext cx="481286" cy="276999"/>
+          </a:xfrm>
+          <a:prstGeom prst="rect">
+            <a:avLst/>
+          </a:prstGeom>
+          <a:noFill/>
+        </p:spPr>
+        <p:txBody>
+          <a:bodyPr wrap="square" rtlCol="0">
+            <a:spAutoFit/>
+          </a:bodyPr>
+          <a:lstStyle/>
+          <a:p>
+            <a:r>
+              <a:rPr lang="en-US" altLang="zh-TW" sz="1200" dirty="0">
+                <a:solidFill>
+                  <a:srgbClr val="FF0000"/>
+                </a:solidFill>
+                <a:latin typeface="+mj-lt"/>
+              </a:rPr>
+              <a:t>r</a:t>
+            </a:r>
+            <a:r>
+              <a:rPr lang="zh-TW" altLang="en-US" sz="1200" baseline="-25000" dirty="0">
+                <a:solidFill>
+                  <a:srgbClr val="FF0000"/>
+                </a:solidFill>
+                <a:latin typeface="+mj-lt"/>
+              </a:rPr>
+              <a:t>★</a:t>
+            </a:r>
+            <a:endParaRPr lang="zh-TW" altLang="en-US" sz="1200" dirty="0">
+              <a:solidFill>
+                <a:srgbClr val="FF0000"/>
+              </a:solidFill>
+              <a:latin typeface="+mj-lt"/>
+            </a:endParaRPr>
+          </a:p>
+        </p:txBody>
+      </p:sp>
+      <p:sp>
+        <p:nvSpPr>
+          <p:cNvPr id="83" name="TextBox 258 83">
+            <a:extLst>
+              <a:ext uri="{FF2B5EF4-FFF2-40B4-BE49-F238E27FC236}">
+                <a16:creationId xmlns:a16="http://schemas.microsoft.com/office/drawing/2014/main" id="{F66DB4FA-E676-4DFD-82E6-DD45A19371CC}"/>
+              </a:ext>
+            </a:extLst>
+          </p:cNvPr>
+          <p:cNvSpPr txBox="1"/>
+          <p:nvPr/>
+        </p:nvSpPr>
+        <p:spPr>
+          <a:xfrm>
+            <a:off x="7242994" y="3725235"/>
+            <a:ext cx="516080" cy="276999"/>
+          </a:xfrm>
+          <a:prstGeom prst="rect">
+            <a:avLst/>
+          </a:prstGeom>
+          <a:noFill/>
+        </p:spPr>
+        <p:txBody>
+          <a:bodyPr wrap="square" rtlCol="0">
+            <a:spAutoFit/>
+          </a:bodyPr>
+          <a:lstStyle/>
+          <a:p>
+            <a:r>
+              <a:rPr lang="en-US" altLang="zh-TW" sz="1200" dirty="0">
+                <a:solidFill>
+                  <a:srgbClr val="0070C0"/>
+                </a:solidFill>
+                <a:latin typeface="+mj-lt"/>
+              </a:rPr>
+              <a:t>Z</a:t>
+            </a:r>
+            <a:r>
+              <a:rPr lang="zh-TW" altLang="en-US" sz="1200" baseline="-25000" dirty="0">
+                <a:solidFill>
+                  <a:srgbClr val="0070C0"/>
+                </a:solidFill>
+                <a:latin typeface="+mj-lt"/>
+              </a:rPr>
+              <a:t>★</a:t>
+            </a:r>
+            <a:endParaRPr lang="zh-TW" altLang="en-US" sz="1200" dirty="0">
+              <a:solidFill>
+                <a:srgbClr val="0070C0"/>
+              </a:solidFill>
+              <a:latin typeface="+mj-lt"/>
+            </a:endParaRPr>
+          </a:p>
+        </p:txBody>
+      </p:sp>
+      <p:sp>
+        <p:nvSpPr>
+          <p:cNvPr id="85" name="TextBox 258 85">
+            <a:extLst>
+              <a:ext uri="{FF2B5EF4-FFF2-40B4-BE49-F238E27FC236}">
+                <a16:creationId xmlns:a16="http://schemas.microsoft.com/office/drawing/2014/main" id="{293104AD-BCF3-4E2B-9C0D-78F7F26C6609}"/>
+              </a:ext>
+            </a:extLst>
+          </p:cNvPr>
+          <p:cNvSpPr txBox="1"/>
+          <p:nvPr/>
+        </p:nvSpPr>
+        <p:spPr>
+          <a:xfrm>
+            <a:off x="5780050" y="4355762"/>
+            <a:ext cx="481287" cy="276999"/>
+          </a:xfrm>
+          <a:prstGeom prst="rect">
+            <a:avLst/>
+          </a:prstGeom>
+          <a:noFill/>
+        </p:spPr>
+        <p:txBody>
+          <a:bodyPr wrap="square" rtlCol="0">
+            <a:spAutoFit/>
+          </a:bodyPr>
+          <a:lstStyle/>
+          <a:p>
+            <a:r>
+              <a:rPr lang="en-US" altLang="zh-TW" sz="1200" dirty="0">
+                <a:solidFill>
+                  <a:srgbClr val="0070C0"/>
+                </a:solidFill>
+                <a:latin typeface="+mj-lt"/>
+              </a:rPr>
+              <a:t>Y</a:t>
+            </a:r>
+            <a:r>
+              <a:rPr lang="zh-TW" altLang="en-US" sz="1200" baseline="-25000" dirty="0">
+                <a:solidFill>
+                  <a:srgbClr val="0070C0"/>
+                </a:solidFill>
+                <a:latin typeface="+mj-lt"/>
+              </a:rPr>
+              <a:t>★</a:t>
+            </a:r>
+            <a:endParaRPr lang="zh-TW" altLang="en-US" sz="1200" dirty="0">
+              <a:solidFill>
+                <a:srgbClr val="0070C0"/>
+              </a:solidFill>
+              <a:latin typeface="+mj-lt"/>
+            </a:endParaRPr>
+          </a:p>
+        </p:txBody>
+      </p:sp>
+      <p:sp>
+        <p:nvSpPr>
+          <p:cNvPr id="93" name="TextBox 258 93">
+            <a:extLst>
+              <a:ext uri="{FF2B5EF4-FFF2-40B4-BE49-F238E27FC236}">
+                <a16:creationId xmlns:a16="http://schemas.microsoft.com/office/drawing/2014/main" id="{63C261CF-10D8-4088-AC92-10333FDD67A5}"/>
+              </a:ext>
+            </a:extLst>
+          </p:cNvPr>
+          <p:cNvSpPr txBox="1"/>
+          <p:nvPr/>
+        </p:nvSpPr>
+        <p:spPr>
+          <a:xfrm>
+            <a:off x="6964959" y="4995196"/>
+            <a:ext cx="1545675" cy="276999"/>
+          </a:xfrm>
+          <a:prstGeom prst="rect">
+            <a:avLst/>
+          </a:prstGeom>
+          <a:noFill/>
+        </p:spPr>
+        <p:txBody>
+          <a:bodyPr wrap="square" rtlCol="0">
+            <a:spAutoFit/>
+          </a:bodyPr>
+          <a:lstStyle/>
+          <a:p>
+            <a:r>
+              <a:rPr lang="en-US" altLang="zh-TW" sz="1200" dirty="0">
+                <a:solidFill>
+                  <a:srgbClr val="0070C0"/>
+                </a:solidFill>
+                <a:latin typeface="+mj-lt"/>
+              </a:rPr>
+              <a:t>X</a:t>
+            </a:r>
+            <a:r>
+              <a:rPr lang="zh-TW" altLang="en-US" sz="1200" baseline="-25000" dirty="0">
+                <a:solidFill>
+                  <a:srgbClr val="0070C0"/>
+                </a:solidFill>
+                <a:latin typeface="+mj-lt"/>
+              </a:rPr>
+              <a:t>★</a:t>
+            </a:r>
+            <a:endParaRPr lang="zh-TW" altLang="en-US" sz="1200" dirty="0">
+              <a:solidFill>
+                <a:srgbClr val="0070C0"/>
+              </a:solidFill>
+              <a:latin typeface="+mj-lt"/>
+            </a:endParaRPr>
+          </a:p>
+        </p:txBody>
+      </p:sp>
+      <p:sp>
+        <p:nvSpPr>
+          <p:cNvPr id="114" name="TextBox 258 114">
+            <a:extLst>
+              <a:ext uri="{FF2B5EF4-FFF2-40B4-BE49-F238E27FC236}">
+                <a16:creationId xmlns:a16="http://schemas.microsoft.com/office/drawing/2014/main" id="{9127CEBE-485B-424D-9B79-53BD15788BBF}"/>
+              </a:ext>
+            </a:extLst>
+          </p:cNvPr>
+          <p:cNvSpPr txBox="1"/>
+          <p:nvPr/>
+        </p:nvSpPr>
+        <p:spPr>
+          <a:xfrm>
+            <a:off x="4418153" y="5066711"/>
+            <a:ext cx="383381" cy="276999"/>
+          </a:xfrm>
+          <a:prstGeom prst="rect">
+            <a:avLst/>
+          </a:prstGeom>
+          <a:noFill/>
+        </p:spPr>
+        <p:txBody>
+          <a:bodyPr wrap="square" rtlCol="0">
+            <a:spAutoFit/>
+          </a:bodyPr>
+          <a:lstStyle/>
+          <a:p>
+            <a:r>
+              <a:rPr lang="en-US" altLang="zh-TW" sz="1200" dirty="0">
+                <a:solidFill>
+                  <a:srgbClr val="FF0000"/>
+                </a:solidFill>
+                <a:latin typeface="+mj-lt"/>
+              </a:rPr>
+              <a:t>β</a:t>
+            </a:r>
+            <a:r>
+              <a:rPr lang="zh-TW" altLang="en-US" sz="1200" baseline="-25000" dirty="0">
+                <a:solidFill>
+                  <a:srgbClr val="FF0000"/>
+                </a:solidFill>
+                <a:latin typeface="+mj-lt"/>
+              </a:rPr>
+              <a:t>★</a:t>
+            </a:r>
+            <a:endParaRPr lang="zh-TW" altLang="en-US" sz="1200" dirty="0">
+              <a:solidFill>
+                <a:srgbClr val="FF0000"/>
+              </a:solidFill>
+              <a:latin typeface="+mj-lt"/>
+            </a:endParaRPr>
+          </a:p>
+        </p:txBody>
+      </p:sp>
+      <p:sp>
+        <p:nvSpPr>
+          <p:cNvPr id="58" name="Arc 258 58">
+            <a:extLst>
+              <a:ext uri="{FF2B5EF4-FFF2-40B4-BE49-F238E27FC236}">
+                <a16:creationId xmlns:a16="http://schemas.microsoft.com/office/drawing/2014/main" id="{B41B0CB7-BCF2-4F4A-88D1-75251A1E8F95}"/>
+              </a:ext>
+            </a:extLst>
+          </p:cNvPr>
+          <p:cNvSpPr/>
+          <p:nvPr/>
+        </p:nvSpPr>
+        <p:spPr>
+          <a:xfrm>
+            <a:off x="3809686" y="4929136"/>
+            <a:ext cx="664588" cy="727006"/>
+          </a:xfrm>
+          <a:prstGeom prst="arc">
+            <a:avLst>
+              <a:gd name="adj1" fmla="val 19840195"/>
+              <a:gd name="adj2" fmla="val 651357"/>
+            </a:avLst>
+          </a:prstGeom>
+          <a:ln w="12700">
+            <a:solidFill>
+              <a:srgbClr val="FF0000"/>
+            </a:solidFill>
+            <a:prstDash val="lgDash"/>
+            <a:headEnd type="triangle" w="med" len="med"/>
+            <a:tailEnd type="none" w="med" len="med"/>
+          </a:ln>
+        </p:spPr>
+        <p:style>
+          <a:lnRef idx="1">
+            <a:schemeClr val="accent1"/>
+          </a:lnRef>
+          <a:fillRef idx="0">
+            <a:schemeClr val="accent1"/>
+          </a:fillRef>
+          <a:effectRef idx="0">
+            <a:schemeClr val="accent1"/>
+          </a:effectRef>
+          <a:fontRef idx="minor">
+            <a:schemeClr val="tx1"/>
+          </a:fontRef>
+        </p:style>
+        <p:txBody>
+          <a:bodyPr rtlCol="0" anchor="ctr"/>
+          <a:lstStyle/>
+          <a:p>
+            <a:pPr algn="ctr"/>
+            <a:endParaRPr lang="zh-TW" altLang="en-US"/>
+          </a:p>
+        </p:txBody>
+      </p:sp>
+      <p:sp>
+        <p:nvSpPr>
+          <p:cNvPr id="115" name="TextBox 258 115">
+            <a:extLst>
+              <a:ext uri="{FF2B5EF4-FFF2-40B4-BE49-F238E27FC236}">
+                <a16:creationId xmlns:a16="http://schemas.microsoft.com/office/drawing/2014/main" id="{4472F16E-3F3C-4F87-945F-75A4E1094F27}"/>
+              </a:ext>
+            </a:extLst>
+          </p:cNvPr>
+          <p:cNvSpPr txBox="1"/>
+          <p:nvPr/>
+        </p:nvSpPr>
+        <p:spPr>
+          <a:xfrm>
+            <a:off x="5124335" y="4763923"/>
+            <a:ext cx="430852" cy="276999"/>
+          </a:xfrm>
+          <a:prstGeom prst="rect">
+            <a:avLst/>
+          </a:prstGeom>
+          <a:noFill/>
+        </p:spPr>
+        <p:txBody>
+          <a:bodyPr wrap="square" rtlCol="0">
+            <a:spAutoFit/>
+          </a:bodyPr>
+          <a:lstStyle/>
+          <a:p>
+            <a:r>
+              <a:rPr lang="en-US" altLang="zh-TW" sz="1200" dirty="0">
+                <a:solidFill>
+                  <a:srgbClr val="FF0000"/>
+                </a:solidFill>
+                <a:latin typeface="+mj-lt"/>
+              </a:rPr>
+              <a:t>A</a:t>
+            </a:r>
+            <a:r>
+              <a:rPr lang="zh-TW" altLang="en-US" sz="1200" baseline="-25000" dirty="0">
+                <a:solidFill>
+                  <a:srgbClr val="FF0000"/>
+                </a:solidFill>
+                <a:latin typeface="+mj-lt"/>
+              </a:rPr>
+              <a:t>★</a:t>
+            </a:r>
+            <a:endParaRPr lang="zh-TW" altLang="en-US" sz="1200" dirty="0">
+              <a:solidFill>
+                <a:srgbClr val="FF0000"/>
+              </a:solidFill>
+              <a:latin typeface="+mj-lt"/>
+            </a:endParaRPr>
+          </a:p>
+        </p:txBody>
+      </p:sp>
+      <p:cxnSp>
+        <p:nvCxnSpPr>
+          <p:cNvPr id="98" name="Straight 258 98">
+            <a:extLst>
+              <a:ext uri="{FF2B5EF4-FFF2-40B4-BE49-F238E27FC236}">
+                <a16:creationId xmlns:a16="http://schemas.microsoft.com/office/drawing/2014/main" id="{5EF24C09-FB69-4105-995C-BCC2A380670B}"/>
+              </a:ext>
+            </a:extLst>
+          </p:cNvPr>
+          <p:cNvCxnSpPr>
+            <a:cxnSpLocks/>
+          </p:cNvCxnSpPr>
+          <p:nvPr/>
+        </p:nvCxnSpPr>
+        <p:spPr>
+          <a:xfrm flipV="1">
+            <a:off x="7291726" y="3117103"/>
+            <a:ext cx="0" cy="1516933"/>
           </a:xfrm>
           <a:prstGeom prst="straightConnector1">
             <a:avLst/>
@@ -3433,10 +4035,10 @@
       </p:cxnSp>
       <p:cxnSp>
         <p:nvCxnSpPr>
-          <p:cNvPr id="70" name="Straight 258 70">
-            <a:extLst>
-              <a:ext uri="{FF2B5EF4-FFF2-40B4-BE49-F238E27FC236}">
-                <a16:creationId xmlns:a16="http://schemas.microsoft.com/office/drawing/2014/main" id="{6C002C0F-BCC6-4851-99AB-6D05A84B4E81}"/>
+          <p:cNvPr id="100" name="Straight 258 100">
+            <a:extLst>
+              <a:ext uri="{FF2B5EF4-FFF2-40B4-BE49-F238E27FC236}">
+                <a16:creationId xmlns:a16="http://schemas.microsoft.com/office/drawing/2014/main" id="{3AF4AA6B-1FDF-45E1-A7A7-3969724888CB}"/>
               </a:ext>
             </a:extLst>
           </p:cNvPr>
@@ -3446,9 +4048,9 @@
           <p:nvPr/>
         </p:nvCxnSpPr>
         <p:spPr>
-          <a:xfrm flipV="1">
-            <a:off x="7163581" y="4037604"/>
-            <a:ext cx="1564945" cy="1095786"/>
+          <a:xfrm>
+            <a:off x="4540704" y="4629092"/>
+            <a:ext cx="2751022" cy="0"/>
           </a:xfrm>
           <a:prstGeom prst="straightConnector1">
             <a:avLst/>
@@ -3480,271 +4082,12 @@
           </a:fontRef>
         </p:style>
       </p:cxnSp>
-      <p:sp>
-        <p:nvSpPr>
-          <p:cNvPr id="23" name="TextBox 258 23">
-            <a:extLst>
-              <a:ext uri="{FF2B5EF4-FFF2-40B4-BE49-F238E27FC236}">
-                <a16:creationId xmlns:a16="http://schemas.microsoft.com/office/drawing/2014/main" id="{378D7EF2-D2E4-4185-818C-6DAA5C1F6721}"/>
-              </a:ext>
-            </a:extLst>
-          </p:cNvPr>
-          <p:cNvSpPr txBox="1"/>
-          <p:nvPr/>
-        </p:nvSpPr>
-        <p:spPr>
-          <a:xfrm>
-            <a:off x="4706401" y="373721"/>
-            <a:ext cx="369332" cy="369332"/>
-          </a:xfrm>
-          <a:prstGeom prst="rect">
-            <a:avLst/>
-          </a:prstGeom>
-          <a:noFill/>
-        </p:spPr>
-        <p:txBody>
-          <a:bodyPr wrap="square" rtlCol="0">
-            <a:spAutoFit/>
-          </a:bodyPr>
-          <a:lstStyle/>
-          <a:p>
-            <a:r>
-              <a:rPr lang="en-US" altLang="zh-TW" dirty="0">
-                <a:latin typeface="+mj-lt"/>
-              </a:rPr>
-              <a:t>Z</a:t>
-            </a:r>
-            <a:endParaRPr lang="zh-TW" altLang="en-US" dirty="0">
-              <a:latin typeface="+mj-lt"/>
-            </a:endParaRPr>
-          </a:p>
-        </p:txBody>
-      </p:sp>
-      <p:sp>
-        <p:nvSpPr>
-          <p:cNvPr id="25" name="TextBox 258 25">
-            <a:extLst>
-              <a:ext uri="{FF2B5EF4-FFF2-40B4-BE49-F238E27FC236}">
-                <a16:creationId xmlns:a16="http://schemas.microsoft.com/office/drawing/2014/main" id="{E1720A63-E48E-4907-BCDB-4A622C415A5D}"/>
-              </a:ext>
-            </a:extLst>
-          </p:cNvPr>
-          <p:cNvSpPr txBox="1"/>
-          <p:nvPr/>
-        </p:nvSpPr>
-        <p:spPr>
-          <a:xfrm rot="1200000">
-            <a:off x="7990269" y="5318801"/>
-            <a:ext cx="341815" cy="369332"/>
-          </a:xfrm>
-          <a:prstGeom prst="rect">
-            <a:avLst/>
-          </a:prstGeom>
-          <a:noFill/>
-        </p:spPr>
-        <p:txBody>
-          <a:bodyPr wrap="square" rtlCol="0">
-            <a:spAutoFit/>
-          </a:bodyPr>
-          <a:lstStyle/>
-          <a:p>
-            <a:r>
-              <a:rPr lang="en-US" altLang="zh-TW" dirty="0">
-                <a:latin typeface="+mj-lt"/>
-              </a:rPr>
-              <a:t>Y</a:t>
-            </a:r>
-            <a:endParaRPr lang="zh-TW" altLang="en-US" dirty="0">
-              <a:latin typeface="+mj-lt"/>
-            </a:endParaRPr>
-          </a:p>
-        </p:txBody>
-      </p:sp>
-      <p:sp>
-        <p:nvSpPr>
-          <p:cNvPr id="56" name="TextBox 258 56">
-            <a:extLst>
-              <a:ext uri="{FF2B5EF4-FFF2-40B4-BE49-F238E27FC236}">
-                <a16:creationId xmlns:a16="http://schemas.microsoft.com/office/drawing/2014/main" id="{E36257C4-1628-4DED-B2DD-29863BE9249E}"/>
-              </a:ext>
-            </a:extLst>
-          </p:cNvPr>
-          <p:cNvSpPr txBox="1"/>
-          <p:nvPr/>
-        </p:nvSpPr>
-        <p:spPr>
-          <a:xfrm rot="19500000">
-            <a:off x="7703816" y="2033921"/>
-            <a:ext cx="297095" cy="369333"/>
-          </a:xfrm>
-          <a:prstGeom prst="rect">
-            <a:avLst/>
-          </a:prstGeom>
-          <a:noFill/>
-        </p:spPr>
-        <p:txBody>
-          <a:bodyPr wrap="square" rtlCol="0">
-            <a:spAutoFit/>
-          </a:bodyPr>
-          <a:lstStyle/>
-          <a:p>
-            <a:r>
-              <a:rPr lang="en-US" altLang="zh-TW" dirty="0">
-                <a:latin typeface="+mj-lt"/>
-              </a:rPr>
-              <a:t>X</a:t>
-            </a:r>
-            <a:endParaRPr lang="zh-TW" altLang="en-US" dirty="0">
-              <a:latin typeface="+mj-lt"/>
-            </a:endParaRPr>
-          </a:p>
-        </p:txBody>
-      </p:sp>
-      <p:sp>
-        <p:nvSpPr>
-          <p:cNvPr id="7" name="Rectangle 258 7">
-            <a:extLst>
-              <a:ext uri="{FF2B5EF4-FFF2-40B4-BE49-F238E27FC236}">
-                <a16:creationId xmlns:a16="http://schemas.microsoft.com/office/drawing/2014/main" id="{A35BDD15-3CB9-4B68-8DB3-56789137BCC6}"/>
-              </a:ext>
-            </a:extLst>
-          </p:cNvPr>
-          <p:cNvSpPr/>
-          <p:nvPr/>
-        </p:nvSpPr>
-        <p:spPr>
-          <a:xfrm>
-            <a:off x="3776826" y="4232465"/>
-            <a:ext cx="1127232" cy="369332"/>
-          </a:xfrm>
-          <a:prstGeom prst="rect">
-            <a:avLst/>
-          </a:prstGeom>
-        </p:spPr>
-        <p:txBody>
-          <a:bodyPr wrap="none">
-            <a:spAutoFit/>
-          </a:bodyPr>
-          <a:lstStyle/>
-          <a:p>
-            <a:pPr/>
-            <a:r>
-              <a:rPr lang="en-US" altLang="zh-TW" dirty="0">
-                <a:solidFill>
-                  <a:srgbClr val="FF0000"/>
-                </a:solidFill>
-                <a:latin typeface="+mj-lt"/>
-              </a:rPr>
-              <a:t>Observer</a:t>
-            </a:r>
-            <a:endParaRPr lang="zh-TW" altLang="en-US" dirty="0">
-              <a:solidFill>
-                <a:srgbClr val="FF0000"/>
-              </a:solidFill>
-              <a:latin typeface="+mj-lt"/>
-            </a:endParaRPr>
-          </a:p>
-        </p:txBody>
-      </p:sp>
-      <p:sp>
-        <p:nvSpPr>
-          <p:cNvPr id="62" name="TextBox 258 62">
-            <a:extLst>
-              <a:ext uri="{FF2B5EF4-FFF2-40B4-BE49-F238E27FC236}">
-                <a16:creationId xmlns:a16="http://schemas.microsoft.com/office/drawing/2014/main" id="{DF56085C-89F8-4815-83A8-3ADE7096D29A}"/>
-              </a:ext>
-            </a:extLst>
-          </p:cNvPr>
-          <p:cNvSpPr txBox="1"/>
-          <p:nvPr/>
-        </p:nvSpPr>
-        <p:spPr>
-          <a:xfrm>
-            <a:off x="2447519" y="5593108"/>
-            <a:ext cx="1133882" cy="369332"/>
-          </a:xfrm>
-          <a:prstGeom prst="rect">
-            <a:avLst/>
-          </a:prstGeom>
-          <a:noFill/>
-          <a:ln>
-            <a:noFill/>
-          </a:ln>
-        </p:spPr>
-        <p:txBody>
-          <a:bodyPr wrap="square" rtlCol="0">
-            <a:spAutoFit/>
-          </a:bodyPr>
-          <a:lstStyle/>
-          <a:p>
-            <a:r>
-              <a:rPr lang="en-US" altLang="zh-TW" dirty="0">
-                <a:solidFill>
-                  <a:srgbClr val="FFFFFF"/>
-                </a:solidFill>
-                <a:latin typeface="+mn-ea"/>
-              </a:rPr>
-              <a:t>Horizon</a:t>
-            </a:r>
-            <a:endParaRPr lang="zh-TW" altLang="en-US" dirty="0">
-              <a:solidFill>
-                <a:srgbClr val="FFFFFF"/>
-              </a:solidFill>
-              <a:latin typeface="+mn-ea"/>
-            </a:endParaRPr>
-          </a:p>
-        </p:txBody>
-      </p:sp>
       <p:cxnSp>
         <p:nvCxnSpPr>
-          <p:cNvPr id="11" name="Straight 258 11">
-            <a:extLst>
-              <a:ext uri="{FF2B5EF4-FFF2-40B4-BE49-F238E27FC236}">
-                <a16:creationId xmlns:a16="http://schemas.microsoft.com/office/drawing/2014/main" id="{0D062486-F40D-47E0-8118-1C0DC2C9B2EE}"/>
-              </a:ext>
-            </a:extLst>
-          </p:cNvPr>
-          <p:cNvCxnSpPr/>
-          <p:nvPr/>
-        </p:nvCxnSpPr>
-        <p:spPr>
-          <a:xfrm flipH="1">
-            <a:off x="4872018" y="2558781"/>
-            <a:ext cx="3847235" cy="1749100"/>
-          </a:xfrm>
-          <a:prstGeom prst="line">
-            <a:avLst/>
-          </a:prstGeom>
-          <a:ln w="12700">
-            <a:solidFill>
-              <a:srgbClr val="FF0000">
-                <a:alpha val="40000"/>
-              </a:srgbClr>
-            </a:solidFill>
-            <a:prstDash val="lgDash"/>
-          </a:ln>
-        </p:spPr>
-        <p:style>
-          <a:lnRef idx="1">
-            <a:schemeClr val="accent1"/>
-          </a:lnRef>
-          <a:fillRef idx="0">
-            <a:schemeClr val="accent1"/>
-          </a:fillRef>
-          <a:effectRef idx="0">
-            <a:schemeClr val="accent1"/>
-          </a:effectRef>
-          <a:fontRef idx="minor">
-            <a:schemeClr val="tx1"/>
-          </a:fontRef>
-        </p:style>
-      </p:cxnSp>
-      <p:cxnSp>
-        <p:nvCxnSpPr>
-          <p:cNvPr id="69" name="Straight 258 69">
-            <a:extLst>
-              <a:ext uri="{FF2B5EF4-FFF2-40B4-BE49-F238E27FC236}">
-                <a16:creationId xmlns:a16="http://schemas.microsoft.com/office/drawing/2014/main" id="{6D92ACFD-B1FE-4E02-97C9-62A3AEC10227}"/>
+          <p:cNvPr id="102" name="Straight 258 102">
+            <a:extLst>
+              <a:ext uri="{FF2B5EF4-FFF2-40B4-BE49-F238E27FC236}">
+                <a16:creationId xmlns:a16="http://schemas.microsoft.com/office/drawing/2014/main" id="{C7DD1018-AAB7-4F32-8912-5871A1A89BEB}"/>
               </a:ext>
             </a:extLst>
           </p:cNvPr>
@@ -3754,11 +4097,11 @@
           <p:nvPr/>
         </p:nvCxnSpPr>
         <p:spPr>
-          <a:xfrm flipH="1" flipV="1">
-            <a:off x="8726321" y="2557681"/>
-            <a:ext cx="9674" cy="1465589"/>
+          <a:xfrm flipV="1">
+            <a:off x="6635810" y="4631293"/>
+            <a:ext cx="658298" cy="870837"/>
           </a:xfrm>
-          <a:prstGeom prst="straightConnector1">
+          <a:prstGeom prst="line">
             <a:avLst/>
           </a:prstGeom>
           <a:noFill/>
@@ -3790,10 +4133,10 @@
       </p:cxnSp>
       <p:sp>
         <p:nvSpPr>
-          <p:cNvPr id="63" name="Oval 258 63">
-            <a:extLst>
-              <a:ext uri="{FF2B5EF4-FFF2-40B4-BE49-F238E27FC236}">
-                <a16:creationId xmlns:a16="http://schemas.microsoft.com/office/drawing/2014/main" id="{0126FA2E-C98D-40B1-951B-EDD0D2E9BCB1}"/>
+          <p:cNvPr id="77" name="Oval 258 77">
+            <a:extLst>
+              <a:ext uri="{FF2B5EF4-FFF2-40B4-BE49-F238E27FC236}">
+                <a16:creationId xmlns:a16="http://schemas.microsoft.com/office/drawing/2014/main" id="{F1D6C97A-15DF-48E2-8E19-CF34912D2126}"/>
               </a:ext>
             </a:extLst>
           </p:cNvPr>
@@ -3802,107 +4145,7 @@
         </p:nvSpPr>
         <p:spPr>
           <a:xfrm>
-            <a:off x="8641158" y="2468781"/>
-            <a:ext cx="180000" cy="180000"/>
-          </a:xfrm>
-          <a:prstGeom prst="star5">
-            <a:avLst/>
-          </a:prstGeom>
-          <a:solidFill>
-            <a:srgbClr val="0070C0"/>
-          </a:solidFill>
-          <a:ln>
-            <a:noFill/>
-          </a:ln>
-        </p:spPr>
-        <p:style>
-          <a:lnRef idx="2">
-            <a:schemeClr val="accent1">
-              <a:shade val="50000"/>
-            </a:schemeClr>
-          </a:lnRef>
-          <a:fillRef idx="1">
-            <a:schemeClr val="accent1"/>
-          </a:fillRef>
-          <a:effectRef idx="0">
-            <a:schemeClr val="accent1"/>
-          </a:effectRef>
-          <a:fontRef idx="minor">
-            <a:schemeClr val="lt1"/>
-          </a:fontRef>
-        </p:style>
-        <p:txBody>
-          <a:bodyPr rtlCol="0" anchor="ctr"/>
-          <a:lstStyle/>
-          <a:p>
-            <a:pPr algn="ctr"/>
-            <a:endParaRPr lang="zh-TW" altLang="en-US">
-              <a:solidFill>
-                <a:srgbClr val="0070C0"/>
-              </a:solidFill>
-            </a:endParaRPr>
-          </a:p>
-        </p:txBody>
-      </p:sp>
-      <p:cxnSp>
-        <p:nvCxnSpPr>
-          <p:cNvPr id="17" name="Straight 258 17">
-            <a:extLst>
-              <a:ext uri="{FF2B5EF4-FFF2-40B4-BE49-F238E27FC236}">
-                <a16:creationId xmlns:a16="http://schemas.microsoft.com/office/drawing/2014/main" id="{FAA2F52D-C1C4-4D9A-AF27-5BA087B5AF78}"/>
-              </a:ext>
-            </a:extLst>
-          </p:cNvPr>
-          <p:cNvCxnSpPr/>
-          <p:nvPr/>
-        </p:nvCxnSpPr>
-        <p:spPr>
-          <a:xfrm flipH="1">
-            <a:off x="4872018" y="4023270"/>
-            <a:ext cx="3866283" cy="284611"/>
-          </a:xfrm>
-          <a:prstGeom prst="line">
-            <a:avLst/>
-          </a:prstGeom>
-          <a:ln w="12700">
-            <a:solidFill>
-              <a:srgbClr val="FF0000">
-                <a:alpha val="40000"/>
-              </a:srgbClr>
-            </a:solidFill>
-            <a:prstDash val="lgDash"/>
-          </a:ln>
-        </p:spPr>
-        <p:style>
-          <a:lnRef idx="1">
-            <a:schemeClr val="accent1"/>
-          </a:lnRef>
-          <a:fillRef idx="0">
-            <a:schemeClr val="accent1"/>
-          </a:fillRef>
-          <a:effectRef idx="0">
-            <a:schemeClr val="accent1"/>
-          </a:effectRef>
-          <a:fontRef idx="minor">
-            <a:schemeClr val="tx1"/>
-          </a:fontRef>
-        </p:style>
-      </p:cxnSp>
-      <p:sp>
-        <p:nvSpPr>
-          <p:cNvPr id="77" name="Oval 258 77">
-            <a:extLst>
-              <a:ext uri="{FF2B5EF4-FFF2-40B4-BE49-F238E27FC236}">
-                <a16:creationId xmlns:a16="http://schemas.microsoft.com/office/drawing/2014/main" id="{F1D6C97A-15DF-48E2-8E19-CF34912D2126}"/>
-              </a:ext>
-            </a:extLst>
-          </p:cNvPr>
-          <p:cNvSpPr/>
-          <p:nvPr/>
-        </p:nvSpPr>
-        <p:spPr>
-          <a:xfrm>
-            <a:off x="8720301" y="4005270"/>
+            <a:off x="7274185" y="4613655"/>
             <a:ext cx="36000" cy="36000"/>
           </a:xfrm>
           <a:prstGeom prst="ellipse">
@@ -3942,347 +4185,12 @@
           </a:p>
         </p:txBody>
       </p:sp>
-      <p:sp>
-        <p:nvSpPr>
-          <p:cNvPr id="82" name="TextBox 258 82">
-            <a:extLst>
-              <a:ext uri="{FF2B5EF4-FFF2-40B4-BE49-F238E27FC236}">
-                <a16:creationId xmlns:a16="http://schemas.microsoft.com/office/drawing/2014/main" id="{1CFE711B-40EF-4ECF-B07F-F343D84E8F35}"/>
-              </a:ext>
-            </a:extLst>
-          </p:cNvPr>
-          <p:cNvSpPr txBox="1"/>
-          <p:nvPr/>
-        </p:nvSpPr>
-        <p:spPr>
-          <a:xfrm>
-            <a:off x="7399719" y="2774092"/>
-            <a:ext cx="516080" cy="276999"/>
-          </a:xfrm>
-          <a:prstGeom prst="rect">
-            <a:avLst/>
-          </a:prstGeom>
-          <a:noFill/>
-        </p:spPr>
-        <p:txBody>
-          <a:bodyPr wrap="square" rtlCol="0">
-            <a:spAutoFit/>
-          </a:bodyPr>
-          <a:lstStyle/>
-          <a:p>
-            <a:r>
-              <a:rPr lang="en-US" altLang="zh-TW" sz="1200" dirty="0">
-                <a:solidFill>
-                  <a:srgbClr val="FF0000"/>
-                </a:solidFill>
-                <a:latin typeface="+mn-ea"/>
-              </a:rPr>
-              <a:t>R</a:t>
-            </a:r>
-            <a:r>
-              <a:rPr lang="zh-TW" altLang="en-US" sz="1200" baseline="-25000" dirty="0">
-                <a:solidFill>
-                  <a:srgbClr val="FF0000"/>
-                </a:solidFill>
-                <a:latin typeface="+mn-ea"/>
-              </a:rPr>
-              <a:t>★</a:t>
-            </a:r>
-            <a:endParaRPr lang="zh-TW" altLang="en-US" sz="1200" dirty="0">
-              <a:solidFill>
-                <a:srgbClr val="FF0000"/>
-              </a:solidFill>
-              <a:latin typeface="+mn-ea"/>
-            </a:endParaRPr>
-          </a:p>
-        </p:txBody>
-      </p:sp>
-      <p:sp>
-        <p:nvSpPr>
-          <p:cNvPr id="83" name="TextBox 258 83">
-            <a:extLst>
-              <a:ext uri="{FF2B5EF4-FFF2-40B4-BE49-F238E27FC236}">
-                <a16:creationId xmlns:a16="http://schemas.microsoft.com/office/drawing/2014/main" id="{F66DB4FA-E676-4DFD-82E6-DD45A19371CC}"/>
-              </a:ext>
-            </a:extLst>
-          </p:cNvPr>
-          <p:cNvSpPr txBox="1"/>
-          <p:nvPr/>
-        </p:nvSpPr>
-        <p:spPr>
-          <a:xfrm>
-            <a:off x="8703140" y="3152526"/>
-            <a:ext cx="516080" cy="276999"/>
-          </a:xfrm>
-          <a:prstGeom prst="rect">
-            <a:avLst/>
-          </a:prstGeom>
-          <a:noFill/>
-        </p:spPr>
-        <p:txBody>
-          <a:bodyPr wrap="square" rtlCol="0">
-            <a:spAutoFit/>
-          </a:bodyPr>
-          <a:lstStyle/>
-          <a:p>
-            <a:r>
-              <a:rPr lang="en-US" altLang="zh-TW" sz="1200" dirty="0">
-                <a:solidFill>
-                  <a:srgbClr val="0070C0"/>
-                </a:solidFill>
-                <a:latin typeface="+mn-ea"/>
-              </a:rPr>
-              <a:t>Z</a:t>
-            </a:r>
-            <a:r>
-              <a:rPr lang="zh-TW" altLang="en-US" sz="1200" baseline="-25000" dirty="0">
-                <a:solidFill>
-                  <a:srgbClr val="0070C0"/>
-                </a:solidFill>
-                <a:latin typeface="+mn-ea"/>
-              </a:rPr>
-              <a:t>★</a:t>
-            </a:r>
-            <a:endParaRPr lang="zh-TW" altLang="en-US" sz="1200" dirty="0">
-              <a:solidFill>
-                <a:srgbClr val="0070C0"/>
-              </a:solidFill>
-              <a:latin typeface="+mn-ea"/>
-            </a:endParaRPr>
-          </a:p>
-        </p:txBody>
-      </p:sp>
-      <p:sp>
-        <p:nvSpPr>
-          <p:cNvPr id="85" name="TextBox 258 85">
-            <a:extLst>
-              <a:ext uri="{FF2B5EF4-FFF2-40B4-BE49-F238E27FC236}">
-                <a16:creationId xmlns:a16="http://schemas.microsoft.com/office/drawing/2014/main" id="{293104AD-BCF3-4E2B-9C0D-78F7F26C6609}"/>
-              </a:ext>
-            </a:extLst>
-          </p:cNvPr>
-          <p:cNvSpPr txBox="1"/>
-          <p:nvPr/>
-        </p:nvSpPr>
-        <p:spPr>
-          <a:xfrm>
-            <a:off x="7675155" y="3426781"/>
-            <a:ext cx="481287" cy="276999"/>
-          </a:xfrm>
-          <a:prstGeom prst="rect">
-            <a:avLst/>
-          </a:prstGeom>
-          <a:noFill/>
-        </p:spPr>
-        <p:txBody>
-          <a:bodyPr wrap="square" rtlCol="0">
-            <a:spAutoFit/>
-          </a:bodyPr>
-          <a:lstStyle/>
-          <a:p>
-            <a:r>
-              <a:rPr lang="en-US" altLang="zh-TW" sz="1200" dirty="0">
-                <a:solidFill>
-                  <a:srgbClr val="0070C0"/>
-                </a:solidFill>
-                <a:latin typeface="+mn-ea"/>
-              </a:rPr>
-              <a:t>Y</a:t>
-            </a:r>
-            <a:r>
-              <a:rPr lang="zh-TW" altLang="en-US" sz="1200" baseline="-25000" dirty="0">
-                <a:solidFill>
-                  <a:srgbClr val="0070C0"/>
-                </a:solidFill>
-                <a:latin typeface="+mn-ea"/>
-              </a:rPr>
-              <a:t>★</a:t>
-            </a:r>
-            <a:endParaRPr lang="zh-TW" altLang="en-US" sz="1200" dirty="0">
-              <a:solidFill>
-                <a:srgbClr val="0070C0"/>
-              </a:solidFill>
-              <a:latin typeface="+mn-ea"/>
-            </a:endParaRPr>
-          </a:p>
-        </p:txBody>
-      </p:sp>
-      <p:sp>
-        <p:nvSpPr>
-          <p:cNvPr id="93" name="TextBox 258 93">
-            <a:extLst>
-              <a:ext uri="{FF2B5EF4-FFF2-40B4-BE49-F238E27FC236}">
-                <a16:creationId xmlns:a16="http://schemas.microsoft.com/office/drawing/2014/main" id="{63C261CF-10D8-4088-AC92-10333FDD67A5}"/>
-              </a:ext>
-            </a:extLst>
-          </p:cNvPr>
-          <p:cNvSpPr txBox="1"/>
-          <p:nvPr/>
-        </p:nvSpPr>
-        <p:spPr>
-          <a:xfrm>
-            <a:off x="7868320" y="4548961"/>
-            <a:ext cx="1545675" cy="276999"/>
-          </a:xfrm>
-          <a:prstGeom prst="rect">
-            <a:avLst/>
-          </a:prstGeom>
-          <a:noFill/>
-        </p:spPr>
-        <p:txBody>
-          <a:bodyPr wrap="square" rtlCol="0">
-            <a:spAutoFit/>
-          </a:bodyPr>
-          <a:lstStyle/>
-          <a:p>
-            <a:r>
-              <a:rPr lang="en-US" altLang="zh-TW" sz="1200" dirty="0">
-                <a:solidFill>
-                  <a:srgbClr val="0070C0"/>
-                </a:solidFill>
-                <a:latin typeface="+mn-ea"/>
-              </a:rPr>
-              <a:t>X</a:t>
-            </a:r>
-            <a:r>
-              <a:rPr lang="zh-TW" altLang="en-US" sz="1200" baseline="-25000" dirty="0">
-                <a:solidFill>
-                  <a:srgbClr val="0070C0"/>
-                </a:solidFill>
-                <a:latin typeface="+mn-ea"/>
-              </a:rPr>
-              <a:t>★</a:t>
-            </a:r>
-            <a:endParaRPr lang="zh-TW" altLang="en-US" sz="1200" dirty="0">
-              <a:solidFill>
-                <a:srgbClr val="0070C0"/>
-              </a:solidFill>
-              <a:latin typeface="+mn-ea"/>
-            </a:endParaRPr>
-          </a:p>
-        </p:txBody>
-      </p:sp>
-      <p:sp>
-        <p:nvSpPr>
-          <p:cNvPr id="58" name="Arc 258 58">
-            <a:extLst>
-              <a:ext uri="{FF2B5EF4-FFF2-40B4-BE49-F238E27FC236}">
-                <a16:creationId xmlns:a16="http://schemas.microsoft.com/office/drawing/2014/main" id="{B41B0CB7-BCF2-4F4A-88D1-75251A1E8F95}"/>
-              </a:ext>
-            </a:extLst>
-          </p:cNvPr>
-          <p:cNvSpPr/>
-          <p:nvPr/>
-        </p:nvSpPr>
-        <p:spPr>
-          <a:xfrm>
-            <a:off x="4842240" y="3608349"/>
-            <a:ext cx="1050400" cy="1050399"/>
-          </a:xfrm>
-          <a:prstGeom prst="arc">
-            <a:avLst>
-              <a:gd name="adj1" fmla="val 19840195"/>
-              <a:gd name="adj2" fmla="val 651357"/>
-            </a:avLst>
-          </a:prstGeom>
-          <a:ln w="12700">
-            <a:solidFill>
-              <a:srgbClr val="FF0000"/>
-            </a:solidFill>
-            <a:prstDash val="lgDash"/>
-            <a:headEnd type="triangle" w="med" len="med"/>
-            <a:tailEnd type="none" w="med" len="med"/>
-          </a:ln>
-        </p:spPr>
-        <p:style>
-          <a:lnRef idx="1">
-            <a:schemeClr val="accent1"/>
-          </a:lnRef>
-          <a:fillRef idx="0">
-            <a:schemeClr val="accent1"/>
-          </a:fillRef>
-          <a:effectRef idx="0">
-            <a:schemeClr val="accent1"/>
-          </a:effectRef>
-          <a:fontRef idx="minor">
-            <a:schemeClr val="tx1"/>
-          </a:fontRef>
-        </p:style>
-        <p:txBody>
-          <a:bodyPr rtlCol="0" anchor="ctr"/>
-          <a:lstStyle/>
-          <a:p>
-            <a:pPr algn="ctr"/>
-            <a:endParaRPr lang="zh-TW" altLang="en-US"/>
-          </a:p>
-        </p:txBody>
-      </p:sp>
-      <p:sp>
-        <p:nvSpPr>
-          <p:cNvPr id="80" name="弧形 79">
-            <a:extLst>
-              <a:ext uri="{FF2B5EF4-FFF2-40B4-BE49-F238E27FC236}">
-                <a16:creationId xmlns:a16="http://schemas.microsoft.com/office/drawing/2014/main" id="{253D7720-B1FB-43D8-9E92-4A2E378B04E2}"/>
-              </a:ext>
-            </a:extLst>
-          </p:cNvPr>
-          <p:cNvSpPr/>
-          <p:nvPr/>
-        </p:nvSpPr>
-        <p:spPr>
-          <a:xfrm>
-            <a:off x="5662152" y="3511820"/>
-            <a:ext cx="897858" cy="1297497"/>
-          </a:xfrm>
-          <a:prstGeom prst="arc">
-            <a:avLst>
-              <a:gd name="adj1" fmla="val 14969537"/>
-              <a:gd name="adj2" fmla="val 4822454"/>
-            </a:avLst>
-          </a:prstGeom>
-          <a:ln w="12700">
-            <a:solidFill>
-              <a:srgbClr val="FF0000"/>
-            </a:solidFill>
-            <a:prstDash val="lgDash"/>
-            <a:headEnd type="none" w="med" len="med"/>
-            <a:tailEnd type="triangle" w="med" len="med"/>
-          </a:ln>
-        </p:spPr>
-        <p:style>
-          <a:lnRef idx="1">
-            <a:schemeClr val="accent1"/>
-          </a:lnRef>
-          <a:fillRef idx="0">
-            <a:schemeClr val="accent1"/>
-          </a:fillRef>
-          <a:effectRef idx="0">
-            <a:schemeClr val="accent1"/>
-          </a:effectRef>
-          <a:fontRef idx="minor">
-            <a:schemeClr val="tx1"/>
-          </a:fontRef>
-        </p:style>
-        <p:txBody>
-          <a:bodyPr rot="0" spcFirstLastPara="0" vertOverflow="overflow" horzOverflow="overflow" vert="horz" wrap="square" lIns="91440" tIns="45720" rIns="91440" bIns="45720" numCol="1" spcCol="0" rtlCol="0" fromWordArt="0" anchor="ctr" anchorCtr="0" forceAA="0" compatLnSpc="1">
-            <a:prstTxWarp prst="textNoShape">
-              <a:avLst/>
-            </a:prstTxWarp>
-            <a:noAutofit/>
-          </a:bodyPr>
-          <a:lstStyle/>
-          <a:p>
-            <a:pPr algn="ctr"/>
-            <a:endParaRPr lang="zh-TW" altLang="en-US"/>
-          </a:p>
-        </p:txBody>
-      </p:sp>
       <p:grpSp>
         <p:nvGrpSpPr>
-          <p:cNvPr id="5" name="Group 258 5">
-            <a:extLst>
-              <a:ext uri="{FF2B5EF4-FFF2-40B4-BE49-F238E27FC236}">
-                <a16:creationId xmlns:a16="http://schemas.microsoft.com/office/drawing/2014/main" id="{C81A20FE-ABEF-46B9-BC10-7BF27C655FB4}"/>
+          <p:cNvPr id="95" name="Group 258 95">
+            <a:extLst>
+              <a:ext uri="{FF2B5EF4-FFF2-40B4-BE49-F238E27FC236}">
+                <a16:creationId xmlns:a16="http://schemas.microsoft.com/office/drawing/2014/main" id="{CF2CC543-0B23-4262-9AF8-165D5507D562}"/>
               </a:ext>
             </a:extLst>
           </p:cNvPr>
@@ -4291,12 +4199,144 @@
         </p:nvGrpSpPr>
         <p:grpSpPr>
           <a:xfrm>
-            <a:off x="4550029" y="746997"/>
-            <a:ext cx="3596035" cy="4138188"/>
-            <a:chOff x="6454197" y="444493"/>
-            <a:chExt cx="3596035" cy="4138188"/>
+            <a:off x="3706108" y="1904697"/>
+            <a:ext cx="4468783" cy="3773845"/>
+            <a:chOff x="3925917" y="1544211"/>
+            <a:chExt cx="4468783" cy="3773845"/>
           </a:xfrm>
         </p:grpSpPr>
+        <p:sp>
+          <p:nvSpPr>
+            <p:cNvPr id="23" name="TextBox 258 23">
+              <a:extLst>
+                <a:ext uri="{FF2B5EF4-FFF2-40B4-BE49-F238E27FC236}">
+                  <a16:creationId xmlns:a16="http://schemas.microsoft.com/office/drawing/2014/main" id="{378D7EF2-D2E4-4185-818C-6DAA5C1F6721}"/>
+                </a:ext>
+              </a:extLst>
+            </p:cNvPr>
+            <p:cNvSpPr txBox="1"/>
+            <p:nvPr/>
+          </p:nvSpPr>
+          <p:spPr>
+            <a:xfrm>
+              <a:off x="3925917" y="1737850"/>
+              <a:ext cx="1127231" cy="369332"/>
+            </a:xfrm>
+            <a:prstGeom prst="rect">
+              <a:avLst/>
+            </a:prstGeom>
+            <a:noFill/>
+          </p:spPr>
+          <p:txBody>
+            <a:bodyPr wrap="square" rtlCol="0">
+              <a:spAutoFit/>
+            </a:bodyPr>
+            <a:lstStyle/>
+            <a:p>
+              <a:r>
+                <a:rPr lang="en-US" altLang="zh-TW" dirty="0">
+                  <a:latin typeface="+mj-lt"/>
+                </a:rPr>
+                <a:t>Z (Zenith)</a:t>
+              </a:r>
+              <a:endParaRPr lang="zh-TW" altLang="en-US" dirty="0">
+                <a:latin typeface="+mj-lt"/>
+              </a:endParaRPr>
+            </a:p>
+          </p:txBody>
+        </p:sp>
+        <p:sp>
+          <p:nvSpPr>
+            <p:cNvPr id="25" name="TextBox 258 25">
+              <a:extLst>
+                <a:ext uri="{FF2B5EF4-FFF2-40B4-BE49-F238E27FC236}">
+                  <a16:creationId xmlns:a16="http://schemas.microsoft.com/office/drawing/2014/main" id="{E1720A63-E48E-4907-BCDB-4A622C415A5D}"/>
+                </a:ext>
+              </a:extLst>
+            </p:cNvPr>
+            <p:cNvSpPr txBox="1"/>
+            <p:nvPr/>
+          </p:nvSpPr>
+          <p:spPr>
+            <a:xfrm>
+              <a:off x="7486851" y="4948724"/>
+              <a:ext cx="907849" cy="369332"/>
+            </a:xfrm>
+            <a:prstGeom prst="rect">
+              <a:avLst/>
+            </a:prstGeom>
+            <a:noFill/>
+          </p:spPr>
+          <p:txBody>
+            <a:bodyPr wrap="square" rtlCol="0">
+              <a:spAutoFit/>
+            </a:bodyPr>
+            <a:lstStyle/>
+            <a:p>
+              <a:r>
+                <a:rPr lang="en-US" altLang="zh-TW" dirty="0">
+                  <a:latin typeface="+mj-lt"/>
+                </a:rPr>
+                <a:t>Y (East)</a:t>
+              </a:r>
+              <a:endParaRPr lang="zh-TW" altLang="en-US" dirty="0">
+                <a:latin typeface="+mj-lt"/>
+              </a:endParaRPr>
+            </a:p>
+          </p:txBody>
+        </p:sp>
+        <p:sp>
+          <p:nvSpPr>
+            <p:cNvPr id="56" name="TextBox 258 56">
+              <a:extLst>
+                <a:ext uri="{FF2B5EF4-FFF2-40B4-BE49-F238E27FC236}">
+                  <a16:creationId xmlns:a16="http://schemas.microsoft.com/office/drawing/2014/main" id="{E36257C4-1628-4DED-B2DD-29863BE9249E}"/>
+                </a:ext>
+              </a:extLst>
+            </p:cNvPr>
+            <p:cNvSpPr txBox="1"/>
+            <p:nvPr/>
+          </p:nvSpPr>
+          <p:spPr>
+            <a:xfrm rot="18480000">
+              <a:off x="5914314" y="1883282"/>
+              <a:ext cx="1047473" cy="369332"/>
+            </a:xfrm>
+            <a:prstGeom prst="rect">
+              <a:avLst/>
+            </a:prstGeom>
+            <a:noFill/>
+          </p:spPr>
+          <p:txBody>
+            <a:bodyPr wrap="square" rtlCol="0">
+              <a:spAutoFit/>
+            </a:bodyPr>
+            <a:lstStyle/>
+            <a:p>
+              <a:r>
+                <a:rPr lang="en-US" altLang="zh-TW" dirty="0">
+                  <a:latin typeface="+mj-lt"/>
+                </a:rPr>
+                <a:t>X</a:t>
+              </a:r>
+              <a:r>
+                <a:rPr lang="zh-TW" altLang="en-US" dirty="0">
+                  <a:latin typeface="+mj-lt"/>
+                </a:rPr>
+                <a:t> </a:t>
+              </a:r>
+              <a:r>
+                <a:rPr lang="en-US" altLang="zh-TW" dirty="0">
+                  <a:latin typeface="+mj-lt"/>
+                </a:rPr>
+                <a:t>(North)</a:t>
+              </a:r>
+              <a:endParaRPr lang="zh-TW" altLang="en-US" dirty="0">
+                <a:latin typeface="+mj-lt"/>
+              </a:endParaRPr>
+            </a:p>
+          </p:txBody>
+        </p:sp>
         <p:cxnSp>
           <p:nvCxnSpPr>
             <p:cNvPr id="8" name="Straight 258 8">
@@ -4312,9 +4352,9 @@
             <p:nvPr/>
           </p:nvCxnSpPr>
           <p:spPr>
-            <a:xfrm rot="1200000">
-              <a:off x="6674391" y="4582681"/>
-              <a:ext cx="3375841" cy="0"/>
+            <a:xfrm>
+              <a:off x="4091535" y="5149411"/>
+              <a:ext cx="3420000" cy="0"/>
             </a:xfrm>
             <a:prstGeom prst="straightConnector1">
               <a:avLst/>
@@ -4361,8 +4401,8 @@
           </p:nvCxnSpPr>
           <p:spPr>
             <a:xfrm flipV="1">
-              <a:off x="6776187" y="444493"/>
-              <a:ext cx="0" cy="3560885"/>
+              <a:off x="4091535" y="2067948"/>
+              <a:ext cx="0" cy="3081463"/>
             </a:xfrm>
             <a:prstGeom prst="straightConnector1">
               <a:avLst/>
@@ -4395,10 +4435,10 @@
         </p:cxnSp>
         <p:cxnSp>
           <p:nvCxnSpPr>
-            <p:cNvPr id="43" name="Straight 258 6">
+            <p:cNvPr id="61" name="Straight 258 61">
               <a:extLst>
                 <a:ext uri="{FF2B5EF4-FFF2-40B4-BE49-F238E27FC236}">
-                  <a16:creationId xmlns:a16="http://schemas.microsoft.com/office/drawing/2014/main" id="{1C19426C-7A24-4F81-A816-D41DB4C3EEE4}"/>
+                  <a16:creationId xmlns:a16="http://schemas.microsoft.com/office/drawing/2014/main" id="{DCDC186D-000B-4352-B957-44AC6E9418E5}"/>
                 </a:ext>
               </a:extLst>
             </p:cNvPr>
@@ -4408,11 +4448,11 @@
             <p:nvPr/>
           </p:nvCxnSpPr>
           <p:spPr>
-            <a:xfrm rot="3300000" flipV="1">
-              <a:off x="8234640" y="1203716"/>
-              <a:ext cx="0" cy="3560885"/>
+            <a:xfrm flipV="1">
+              <a:off x="4091535" y="2420611"/>
+              <a:ext cx="2062800" cy="2728800"/>
             </a:xfrm>
-            <a:prstGeom prst="straightConnector1">
+            <a:prstGeom prst="line">
               <a:avLst/>
             </a:prstGeom>
             <a:noFill/>
@@ -4456,7 +4496,7 @@
         </p:nvSpPr>
         <p:spPr>
           <a:xfrm>
-            <a:off x="4818018" y="4253881"/>
+            <a:off x="3817725" y="5455898"/>
             <a:ext cx="108000" cy="108000"/>
           </a:xfrm>
           <a:prstGeom prst="ellipse">
@@ -4490,117 +4530,210 @@
           <a:lstStyle/>
           <a:p>
             <a:pPr algn="ctr"/>
-            <a:endParaRPr lang="zh-TW" altLang="en-US"/>
-          </a:p>
-        </p:txBody>
-      </p:sp>
-      <p:sp>
-        <p:nvSpPr>
-          <p:cNvPr id="114" name="TextBox 257 75">
-            <a:extLst>
-              <a:ext uri="{FF2B5EF4-FFF2-40B4-BE49-F238E27FC236}">
-                <a16:creationId xmlns:a16="http://schemas.microsoft.com/office/drawing/2014/main" id="{9127CEBE-485B-424D-9B79-53BD15788BBF}"/>
-              </a:ext>
-            </a:extLst>
-          </p:cNvPr>
-          <p:cNvSpPr txBox="1"/>
+            <a:endParaRPr lang="zh-TW" altLang="en-US" dirty="0"/>
+          </a:p>
+        </p:txBody>
+      </p:sp>
+      <p:sp>
+        <p:nvSpPr>
+          <p:cNvPr id="119" name="Arc 258 119">
+            <a:extLst>
+              <a:ext uri="{FF2B5EF4-FFF2-40B4-BE49-F238E27FC236}">
+                <a16:creationId xmlns:a16="http://schemas.microsoft.com/office/drawing/2014/main" id="{62A3B54C-341A-4B80-86B4-79E89299A888}"/>
+              </a:ext>
+            </a:extLst>
+          </p:cNvPr>
+          <p:cNvSpPr/>
           <p:nvPr/>
         </p:nvSpPr>
         <p:spPr>
           <a:xfrm>
-            <a:off x="6470046" y="3764271"/>
-            <a:ext cx="516080" cy="276999"/>
+            <a:off x="3925528" y="4751990"/>
+            <a:ext cx="1484392" cy="1484393"/>
+          </a:xfrm>
+          <a:prstGeom prst="arc">
+            <a:avLst>
+              <a:gd name="adj1" fmla="val 15182787"/>
+              <a:gd name="adj2" fmla="val 19780565"/>
+            </a:avLst>
+          </a:prstGeom>
+          <a:ln w="12700">
+            <a:solidFill>
+              <a:srgbClr val="FF0000"/>
+            </a:solidFill>
+            <a:prstDash val="lgDash"/>
+            <a:headEnd type="none" w="med" len="med"/>
+            <a:tailEnd type="triangle" w="med" len="med"/>
+          </a:ln>
+        </p:spPr>
+        <p:style>
+          <a:lnRef idx="1">
+            <a:schemeClr val="accent1"/>
+          </a:lnRef>
+          <a:fillRef idx="0">
+            <a:schemeClr val="accent1"/>
+          </a:fillRef>
+          <a:effectRef idx="0">
+            <a:schemeClr val="accent1"/>
+          </a:effectRef>
+          <a:fontRef idx="minor">
+            <a:schemeClr val="tx1"/>
+          </a:fontRef>
+        </p:style>
+        <p:txBody>
+          <a:bodyPr rtlCol="0" anchor="ctr"/>
+          <a:lstStyle/>
+          <a:p>
+            <a:pPr algn="ctr"/>
+            <a:endParaRPr lang="zh-TW" altLang="en-US"/>
+          </a:p>
+        </p:txBody>
+      </p:sp>
+      <p:cxnSp>
+        <p:nvCxnSpPr>
+          <p:cNvPr id="11" name="Straight 258 11">
+            <a:extLst>
+              <a:ext uri="{FF2B5EF4-FFF2-40B4-BE49-F238E27FC236}">
+                <a16:creationId xmlns:a16="http://schemas.microsoft.com/office/drawing/2014/main" id="{0D062486-F40D-47E0-8118-1C0DC2C9B2EE}"/>
+              </a:ext>
+            </a:extLst>
+          </p:cNvPr>
+          <p:cNvCxnSpPr>
+            <a:cxnSpLocks/>
+          </p:cNvCxnSpPr>
+          <p:nvPr/>
+        </p:nvCxnSpPr>
+        <p:spPr>
+          <a:xfrm flipH="1">
+            <a:off x="3911841" y="3117102"/>
+            <a:ext cx="3379885" cy="2376774"/>
+          </a:xfrm>
+          <a:prstGeom prst="line">
+            <a:avLst/>
+          </a:prstGeom>
+          <a:ln w="12700">
+            <a:solidFill>
+              <a:srgbClr val="FF0000"/>
+            </a:solidFill>
+            <a:prstDash val="lgDash"/>
+          </a:ln>
+        </p:spPr>
+        <p:style>
+          <a:lnRef idx="1">
+            <a:schemeClr val="accent1"/>
+          </a:lnRef>
+          <a:fillRef idx="0">
+            <a:schemeClr val="accent1"/>
+          </a:fillRef>
+          <a:effectRef idx="0">
+            <a:schemeClr val="accent1"/>
+          </a:effectRef>
+          <a:fontRef idx="minor">
+            <a:schemeClr val="tx1"/>
+          </a:fontRef>
+        </p:style>
+      </p:cxnSp>
+      <p:sp>
+        <p:nvSpPr>
+          <p:cNvPr id="144" name="矩形 143">
+            <a:extLst>
+              <a:ext uri="{FF2B5EF4-FFF2-40B4-BE49-F238E27FC236}">
+                <a16:creationId xmlns:a16="http://schemas.microsoft.com/office/drawing/2014/main" id="{E4F74776-89DB-4967-A934-3F87C3C3BB07}"/>
+              </a:ext>
+            </a:extLst>
+          </p:cNvPr>
+          <p:cNvSpPr/>
+          <p:nvPr/>
+        </p:nvSpPr>
+        <p:spPr>
+          <a:xfrm>
+            <a:off x="8283698" y="1589039"/>
+            <a:ext cx="3280503" cy="4647344"/>
           </a:xfrm>
           <a:prstGeom prst="rect">
             <a:avLst/>
           </a:prstGeom>
-          <a:noFill/>
+          <a:solidFill>
+            <a:srgbClr val="FFFFFF"/>
+          </a:solidFill>
+          <a:ln>
+            <a:noFill/>
+          </a:ln>
         </p:spPr>
-        <p:txBody>
-          <a:bodyPr wrap="square" rtlCol="0">
-            <a:spAutoFit/>
-          </a:bodyPr>
-          <a:lstStyle/>
-          <a:p>
-            <a:r>
-              <a:rPr lang="en-US" altLang="zh-TW" sz="1200" dirty="0">
-                <a:solidFill>
-                  <a:srgbClr val="FF0000"/>
-                </a:solidFill>
-                <a:latin typeface="+mn-ea"/>
-              </a:rPr>
-              <a:t>β</a:t>
-            </a:r>
-            <a:r>
-              <a:rPr lang="zh-TW" altLang="en-US" sz="1200" baseline="-25000" dirty="0">
-                <a:solidFill>
-                  <a:srgbClr val="FF0000"/>
-                </a:solidFill>
-                <a:latin typeface="+mn-ea"/>
-              </a:rPr>
-              <a:t>★</a:t>
-            </a:r>
-            <a:endParaRPr lang="zh-TW" altLang="en-US" sz="1200" dirty="0">
-              <a:solidFill>
-                <a:srgbClr val="FF0000"/>
-              </a:solidFill>
-              <a:latin typeface="+mn-ea"/>
-            </a:endParaRPr>
-          </a:p>
-        </p:txBody>
-      </p:sp>
-      <p:sp>
-        <p:nvSpPr>
-          <p:cNvPr id="115" name="TextBox 257 75">
-            <a:extLst>
-              <a:ext uri="{FF2B5EF4-FFF2-40B4-BE49-F238E27FC236}">
-                <a16:creationId xmlns:a16="http://schemas.microsoft.com/office/drawing/2014/main" id="{4472F16E-3F3C-4F87-945F-75A4E1094F27}"/>
-              </a:ext>
-            </a:extLst>
-          </p:cNvPr>
-          <p:cNvSpPr txBox="1"/>
+        <p:style>
+          <a:lnRef idx="2">
+            <a:schemeClr val="accent1">
+              <a:shade val="50000"/>
+            </a:schemeClr>
+          </a:lnRef>
+          <a:fillRef idx="1">
+            <a:schemeClr val="accent1"/>
+          </a:fillRef>
+          <a:effectRef idx="0">
+            <a:schemeClr val="accent1"/>
+          </a:effectRef>
+          <a:fontRef idx="minor">
+            <a:schemeClr val="lt1"/>
+          </a:fontRef>
+        </p:style>
+        <p:txBody>
+          <a:bodyPr rtlCol="0" anchor="ctr"/>
+          <a:lstStyle/>
+          <a:p>
+            <a:pPr algn="ctr"/>
+            <a:endParaRPr lang="zh-TW" altLang="en-US"/>
+          </a:p>
+        </p:txBody>
+      </p:sp>
+      <p:sp>
+        <p:nvSpPr>
+          <p:cNvPr id="33" name="矩形 32">
+            <a:extLst>
+              <a:ext uri="{FF2B5EF4-FFF2-40B4-BE49-F238E27FC236}">
+                <a16:creationId xmlns:a16="http://schemas.microsoft.com/office/drawing/2014/main" id="{EBBFDD9C-E3E4-40BB-966F-EDE3097C8D26}"/>
+              </a:ext>
+            </a:extLst>
+          </p:cNvPr>
+          <p:cNvSpPr/>
           <p:nvPr/>
         </p:nvSpPr>
         <p:spPr>
           <a:xfrm>
-            <a:off x="5841723" y="3884885"/>
-            <a:ext cx="516080" cy="276999"/>
+            <a:off x="447676" y="1589039"/>
+            <a:ext cx="1908780" cy="4647344"/>
           </a:xfrm>
           <a:prstGeom prst="rect">
             <a:avLst/>
           </a:prstGeom>
-          <a:noFill/>
+          <a:solidFill>
+            <a:srgbClr val="FFFFFF"/>
+          </a:solidFill>
+          <a:ln>
+            <a:noFill/>
+          </a:ln>
         </p:spPr>
-        <p:txBody>
-          <a:bodyPr wrap="square" rtlCol="0">
-            <a:spAutoFit/>
-          </a:bodyPr>
-          <a:lstStyle/>
-          <a:p>
-            <a:r>
-              <a:rPr lang="en-US" altLang="zh-TW" sz="1200" dirty="0">
-                <a:solidFill>
-                  <a:srgbClr val="FF0000"/>
-                </a:solidFill>
-                <a:latin typeface="+mn-ea"/>
-              </a:rPr>
-              <a:t>A</a:t>
-            </a:r>
-            <a:r>
-              <a:rPr lang="zh-TW" altLang="en-US" sz="1200" baseline="-25000" dirty="0">
-                <a:solidFill>
-                  <a:srgbClr val="FF0000"/>
-                </a:solidFill>
-                <a:latin typeface="+mn-ea"/>
-              </a:rPr>
-              <a:t>★</a:t>
-            </a:r>
-            <a:endParaRPr lang="zh-TW" altLang="en-US" sz="1200" dirty="0">
-              <a:solidFill>
-                <a:srgbClr val="FF0000"/>
-              </a:solidFill>
-              <a:latin typeface="+mn-ea"/>
-            </a:endParaRPr>
+        <p:style>
+          <a:lnRef idx="2">
+            <a:schemeClr val="accent1">
+              <a:shade val="50000"/>
+            </a:schemeClr>
+          </a:lnRef>
+          <a:fillRef idx="1">
+            <a:schemeClr val="accent1"/>
+          </a:fillRef>
+          <a:effectRef idx="0">
+            <a:schemeClr val="accent1"/>
+          </a:effectRef>
+          <a:fontRef idx="minor">
+            <a:schemeClr val="lt1"/>
+          </a:fontRef>
+        </p:style>
+        <p:txBody>
+          <a:bodyPr rtlCol="0" anchor="ctr"/>
+          <a:lstStyle/>
+          <a:p>
+            <a:pPr algn="ctr"/>
+            <a:endParaRPr lang="zh-TW" altLang="en-US"/>
           </a:p>
         </p:txBody>
       </p:sp>
